--- a/Documents/ClaimCycle/Dataflows/emdeon.pptx
+++ b/Documents/ClaimCycle/Dataflows/emdeon.pptx
@@ -3511,7 +3511,18 @@
             <a:pPr algn="ctr"/>
             <a:r>
               <a:rPr lang="en-US" dirty="0" smtClean="0"/>
-              <a:t>Emdeon Human Readable 999</a:t>
+              <a:t>Human</a:t>
+            </a:r>
+          </a:p>
+          <a:p>
+            <a:pPr algn="ctr"/>
+            <a:r>
+              <a:rPr lang="en-US" dirty="0" smtClean="0"/>
+              <a:t>Readable </a:t>
+            </a:r>
+            <a:r>
+              <a:rPr lang="en-US" dirty="0" smtClean="0"/>
+              <a:t>999</a:t>
             </a:r>
             <a:endParaRPr lang="en-US" dirty="0"/>
           </a:p>
@@ -3553,8 +3564,9 @@
             <a:pPr algn="ctr"/>
             <a:r>
               <a:rPr lang="en-US" dirty="0" smtClean="0"/>
-              <a:t>Emdeon Human</a:t>
-            </a:r>
+              <a:t>Human</a:t>
+            </a:r>
+            <a:endParaRPr lang="en-US" dirty="0" smtClean="0"/>
           </a:p>
           <a:p>
             <a:pPr algn="ctr"/>
